--- a/docs/images/R_grupo_de_estudios_economicos.pptx
+++ b/docs/images/R_grupo_de_estudios_economicos.pptx
@@ -243,7 +243,7 @@
           <a:p>
             <a:fld id="{9F2D49BF-BE7C-4625-B53A-FC6215C776EF}" type="datetimeFigureOut">
               <a:rPr lang="es-ES" smtClean="0"/>
-              <a:t>06/08/2021</a:t>
+              <a:t>07/08/2021</a:t>
             </a:fld>
             <a:endParaRPr lang="es-ES"/>
           </a:p>
@@ -413,7 +413,7 @@
           <a:p>
             <a:fld id="{9F2D49BF-BE7C-4625-B53A-FC6215C776EF}" type="datetimeFigureOut">
               <a:rPr lang="es-ES" smtClean="0"/>
-              <a:t>06/08/2021</a:t>
+              <a:t>07/08/2021</a:t>
             </a:fld>
             <a:endParaRPr lang="es-ES"/>
           </a:p>
@@ -593,7 +593,7 @@
           <a:p>
             <a:fld id="{9F2D49BF-BE7C-4625-B53A-FC6215C776EF}" type="datetimeFigureOut">
               <a:rPr lang="es-ES" smtClean="0"/>
-              <a:t>06/08/2021</a:t>
+              <a:t>07/08/2021</a:t>
             </a:fld>
             <a:endParaRPr lang="es-ES"/>
           </a:p>
@@ -763,7 +763,7 @@
           <a:p>
             <a:fld id="{9F2D49BF-BE7C-4625-B53A-FC6215C776EF}" type="datetimeFigureOut">
               <a:rPr lang="es-ES" smtClean="0"/>
-              <a:t>06/08/2021</a:t>
+              <a:t>07/08/2021</a:t>
             </a:fld>
             <a:endParaRPr lang="es-ES"/>
           </a:p>
@@ -1007,7 +1007,7 @@
           <a:p>
             <a:fld id="{9F2D49BF-BE7C-4625-B53A-FC6215C776EF}" type="datetimeFigureOut">
               <a:rPr lang="es-ES" smtClean="0"/>
-              <a:t>06/08/2021</a:t>
+              <a:t>07/08/2021</a:t>
             </a:fld>
             <a:endParaRPr lang="es-ES"/>
           </a:p>
@@ -1239,7 +1239,7 @@
           <a:p>
             <a:fld id="{9F2D49BF-BE7C-4625-B53A-FC6215C776EF}" type="datetimeFigureOut">
               <a:rPr lang="es-ES" smtClean="0"/>
-              <a:t>06/08/2021</a:t>
+              <a:t>07/08/2021</a:t>
             </a:fld>
             <a:endParaRPr lang="es-ES"/>
           </a:p>
@@ -1606,7 +1606,7 @@
           <a:p>
             <a:fld id="{9F2D49BF-BE7C-4625-B53A-FC6215C776EF}" type="datetimeFigureOut">
               <a:rPr lang="es-ES" smtClean="0"/>
-              <a:t>06/08/2021</a:t>
+              <a:t>07/08/2021</a:t>
             </a:fld>
             <a:endParaRPr lang="es-ES"/>
           </a:p>
@@ -1724,7 +1724,7 @@
           <a:p>
             <a:fld id="{9F2D49BF-BE7C-4625-B53A-FC6215C776EF}" type="datetimeFigureOut">
               <a:rPr lang="es-ES" smtClean="0"/>
-              <a:t>06/08/2021</a:t>
+              <a:t>07/08/2021</a:t>
             </a:fld>
             <a:endParaRPr lang="es-ES"/>
           </a:p>
@@ -1819,7 +1819,7 @@
           <a:p>
             <a:fld id="{9F2D49BF-BE7C-4625-B53A-FC6215C776EF}" type="datetimeFigureOut">
               <a:rPr lang="es-ES" smtClean="0"/>
-              <a:t>06/08/2021</a:t>
+              <a:t>07/08/2021</a:t>
             </a:fld>
             <a:endParaRPr lang="es-ES"/>
           </a:p>
@@ -2096,7 +2096,7 @@
           <a:p>
             <a:fld id="{9F2D49BF-BE7C-4625-B53A-FC6215C776EF}" type="datetimeFigureOut">
               <a:rPr lang="es-ES" smtClean="0"/>
-              <a:t>06/08/2021</a:t>
+              <a:t>07/08/2021</a:t>
             </a:fld>
             <a:endParaRPr lang="es-ES"/>
           </a:p>
@@ -2353,7 +2353,7 @@
           <a:p>
             <a:fld id="{9F2D49BF-BE7C-4625-B53A-FC6215C776EF}" type="datetimeFigureOut">
               <a:rPr lang="es-ES" smtClean="0"/>
-              <a:t>06/08/2021</a:t>
+              <a:t>07/08/2021</a:t>
             </a:fld>
             <a:endParaRPr lang="es-ES"/>
           </a:p>
@@ -2566,7 +2566,7 @@
           <a:p>
             <a:fld id="{9F2D49BF-BE7C-4625-B53A-FC6215C776EF}" type="datetimeFigureOut">
               <a:rPr lang="es-ES" smtClean="0"/>
-              <a:t>06/08/2021</a:t>
+              <a:t>07/08/2021</a:t>
             </a:fld>
             <a:endParaRPr lang="es-ES"/>
           </a:p>
@@ -3058,7 +3058,7 @@
         </p:nvPicPr>
         <p:blipFill rotWithShape="1">
           <a:blip r:embed="rId2">
-            <a:alphaModFix amt="35000"/>
+            <a:alphaModFix amt="60000"/>
             <a:extLst>
               <a:ext uri="{28A0092B-C50C-407E-A947-70E740481C1C}">
                 <a14:useLocalDpi xmlns:a14="http://schemas.microsoft.com/office/drawing/2010/main" val="0"/>
